--- a/L7-measurement-hpcci.pptx
+++ b/L7-measurement-hpcci.pptx
@@ -121,185 +121,23 @@
 </p:presentation>
 </file>
 
-<file path=ppt/revisionInfo.xml><?xml version="1.0" encoding="utf-8"?>
-<p1510:revInfo xmlns:a="http://schemas.openxmlformats.org/drawingml/2006/main" xmlns:r="http://schemas.openxmlformats.org/officeDocument/2006/relationships" xmlns:p1510="http://schemas.microsoft.com/office/powerpoint/2015/10/main">
-  <p1510:revLst>
-    <p1510:client id="{EA5E9579-6C9A-FB47-9D52-2B96568638DC}" v="8" dt="2025-10-07T13:56:50.959"/>
-  </p1510:revLst>
-</p1510:revInfo>
-</file>
-
 <file path=ppt/changesInfos/changesInfo1.xml><?xml version="1.0" encoding="utf-8"?>
 <pc:chgInfo xmlns:a="http://schemas.openxmlformats.org/drawingml/2006/main" xmlns:r="http://schemas.openxmlformats.org/officeDocument/2006/relationships" xmlns:ac="http://schemas.microsoft.com/office/drawing/2013/main/command" xmlns:pc="http://schemas.microsoft.com/office/powerpoint/2013/main/command">
   <pc:docChgLst>
     <pc:chgData name="Andrew Turner" userId="9b60647a-c825-4266-aafa-670849c64782" providerId="ADAL" clId="{292526B5-234E-5EAA-AFB8-0412B8CA4453}"/>
     <pc:docChg chg="undo custSel addSld delSld modSld modMainMaster">
-      <pc:chgData name="Andrew Turner" userId="9b60647a-c825-4266-aafa-670849c64782" providerId="ADAL" clId="{292526B5-234E-5EAA-AFB8-0412B8CA4453}" dt="2025-10-07T13:56:59.056" v="2679" actId="20577"/>
+      <pc:chgData name="Andrew Turner" userId="9b60647a-c825-4266-aafa-670849c64782" providerId="ADAL" clId="{292526B5-234E-5EAA-AFB8-0412B8CA4453}" dt="2026-02-03T10:42:35.718" v="2704" actId="20577"/>
       <pc:docMkLst>
         <pc:docMk/>
       </pc:docMkLst>
-      <pc:sldChg chg="modSp mod setBg">
-        <pc:chgData name="Andrew Turner" userId="9b60647a-c825-4266-aafa-670849c64782" providerId="ADAL" clId="{292526B5-234E-5EAA-AFB8-0412B8CA4453}" dt="2025-10-07T13:56:59.056" v="2679" actId="20577"/>
-        <pc:sldMkLst>
-          <pc:docMk/>
-          <pc:sldMk cId="1051469145" sldId="256"/>
-        </pc:sldMkLst>
-        <pc:spChg chg="mod">
-          <ac:chgData name="Andrew Turner" userId="9b60647a-c825-4266-aafa-670849c64782" providerId="ADAL" clId="{292526B5-234E-5EAA-AFB8-0412B8CA4453}" dt="2025-10-07T13:56:59.056" v="2679" actId="20577"/>
-          <ac:spMkLst>
-            <pc:docMk/>
-            <pc:sldMk cId="1051469145" sldId="256"/>
-            <ac:spMk id="2" creationId="{E3911CC8-6F3B-881A-3D5E-E1B85018E698}"/>
-          </ac:spMkLst>
-        </pc:spChg>
-      </pc:sldChg>
-      <pc:sldChg chg="modSp mod">
-        <pc:chgData name="Andrew Turner" userId="9b60647a-c825-4266-aafa-670849c64782" providerId="ADAL" clId="{292526B5-234E-5EAA-AFB8-0412B8CA4453}" dt="2025-10-07T13:56:52.264" v="2676" actId="20577"/>
-        <pc:sldMkLst>
-          <pc:docMk/>
-          <pc:sldMk cId="2205814642" sldId="257"/>
-        </pc:sldMkLst>
-        <pc:spChg chg="mod">
-          <ac:chgData name="Andrew Turner" userId="9b60647a-c825-4266-aafa-670849c64782" providerId="ADAL" clId="{292526B5-234E-5EAA-AFB8-0412B8CA4453}" dt="2025-10-07T13:56:52.264" v="2676" actId="20577"/>
-          <ac:spMkLst>
-            <pc:docMk/>
-            <pc:sldMk cId="2205814642" sldId="257"/>
-            <ac:spMk id="3" creationId="{B6416516-C9BA-010C-6023-F91075F67AEC}"/>
-          </ac:spMkLst>
-        </pc:spChg>
-      </pc:sldChg>
       <pc:sldChg chg="modSp new mod">
-        <pc:chgData name="Andrew Turner" userId="9b60647a-c825-4266-aafa-670849c64782" providerId="ADAL" clId="{292526B5-234E-5EAA-AFB8-0412B8CA4453}" dt="2025-10-06T10:26:35.446" v="549" actId="20577"/>
-        <pc:sldMkLst>
-          <pc:docMk/>
-          <pc:sldMk cId="2304510356" sldId="258"/>
-        </pc:sldMkLst>
-        <pc:spChg chg="mod">
-          <ac:chgData name="Andrew Turner" userId="9b60647a-c825-4266-aafa-670849c64782" providerId="ADAL" clId="{292526B5-234E-5EAA-AFB8-0412B8CA4453}" dt="2025-10-06T08:58:22.558" v="28" actId="20577"/>
-          <ac:spMkLst>
-            <pc:docMk/>
-            <pc:sldMk cId="2304510356" sldId="258"/>
-            <ac:spMk id="2" creationId="{441A908F-B039-9613-2EF7-9469E1E5A8FB}"/>
-          </ac:spMkLst>
-        </pc:spChg>
-        <pc:spChg chg="mod">
-          <ac:chgData name="Andrew Turner" userId="9b60647a-c825-4266-aafa-670849c64782" providerId="ADAL" clId="{292526B5-234E-5EAA-AFB8-0412B8CA4453}" dt="2025-10-06T10:26:35.446" v="549" actId="20577"/>
-          <ac:spMkLst>
-            <pc:docMk/>
-            <pc:sldMk cId="2304510356" sldId="258"/>
-            <ac:spMk id="3" creationId="{864EF2CE-99FF-B9E6-3BA6-EEE643735DB1}"/>
-          </ac:spMkLst>
-        </pc:spChg>
-      </pc:sldChg>
-      <pc:sldChg chg="addSp modSp new mod">
-        <pc:chgData name="Andrew Turner" userId="9b60647a-c825-4266-aafa-670849c64782" providerId="ADAL" clId="{292526B5-234E-5EAA-AFB8-0412B8CA4453}" dt="2025-10-06T10:32:00.532" v="933" actId="20577"/>
-        <pc:sldMkLst>
-          <pc:docMk/>
-          <pc:sldMk cId="2510383598" sldId="259"/>
-        </pc:sldMkLst>
-        <pc:spChg chg="mod">
-          <ac:chgData name="Andrew Turner" userId="9b60647a-c825-4266-aafa-670849c64782" providerId="ADAL" clId="{292526B5-234E-5EAA-AFB8-0412B8CA4453}" dt="2025-10-06T10:27:23.904" v="577" actId="20577"/>
-          <ac:spMkLst>
-            <pc:docMk/>
-            <pc:sldMk cId="2510383598" sldId="259"/>
-            <ac:spMk id="2" creationId="{65905C07-2209-BE19-B11C-0BD88DD70D49}"/>
-          </ac:spMkLst>
-        </pc:spChg>
-        <pc:spChg chg="mod">
-          <ac:chgData name="Andrew Turner" userId="9b60647a-c825-4266-aafa-670849c64782" providerId="ADAL" clId="{292526B5-234E-5EAA-AFB8-0412B8CA4453}" dt="2025-10-06T10:28:31.926" v="700" actId="14100"/>
-          <ac:spMkLst>
-            <pc:docMk/>
-            <pc:sldMk cId="2510383598" sldId="259"/>
-            <ac:spMk id="3" creationId="{1BD93A8C-CB5C-1E14-2030-1810EA531152}"/>
-          </ac:spMkLst>
-        </pc:spChg>
-        <pc:spChg chg="add mod">
-          <ac:chgData name="Andrew Turner" userId="9b60647a-c825-4266-aafa-670849c64782" providerId="ADAL" clId="{292526B5-234E-5EAA-AFB8-0412B8CA4453}" dt="2025-10-06T10:29:40.283" v="728" actId="1076"/>
-          <ac:spMkLst>
-            <pc:docMk/>
-            <pc:sldMk cId="2510383598" sldId="259"/>
-            <ac:spMk id="4" creationId="{F79472E0-0ABC-8DCD-BDE2-10775DF523EA}"/>
-          </ac:spMkLst>
-        </pc:spChg>
-        <pc:spChg chg="add mod">
-          <ac:chgData name="Andrew Turner" userId="9b60647a-c825-4266-aafa-670849c64782" providerId="ADAL" clId="{292526B5-234E-5EAA-AFB8-0412B8CA4453}" dt="2025-10-06T10:29:47.025" v="729" actId="1076"/>
-          <ac:spMkLst>
-            <pc:docMk/>
-            <pc:sldMk cId="2510383598" sldId="259"/>
-            <ac:spMk id="5" creationId="{29BDF644-C38B-C1C8-C235-10E245064D93}"/>
-          </ac:spMkLst>
-        </pc:spChg>
-        <pc:spChg chg="add mod">
-          <ac:chgData name="Andrew Turner" userId="9b60647a-c825-4266-aafa-670849c64782" providerId="ADAL" clId="{292526B5-234E-5EAA-AFB8-0412B8CA4453}" dt="2025-10-06T10:32:00.532" v="933" actId="20577"/>
-          <ac:spMkLst>
-            <pc:docMk/>
-            <pc:sldMk cId="2510383598" sldId="259"/>
-            <ac:spMk id="6" creationId="{3BB8D096-77CB-CFDF-E7FC-D78FC3CF5B91}"/>
-          </ac:spMkLst>
-        </pc:spChg>
-      </pc:sldChg>
-      <pc:sldChg chg="modSp new mod">
-        <pc:chgData name="Andrew Turner" userId="9b60647a-c825-4266-aafa-670849c64782" providerId="ADAL" clId="{292526B5-234E-5EAA-AFB8-0412B8CA4453}" dt="2025-10-06T10:36:21.697" v="1171" actId="20577"/>
-        <pc:sldMkLst>
-          <pc:docMk/>
-          <pc:sldMk cId="2545372616" sldId="260"/>
-        </pc:sldMkLst>
-        <pc:spChg chg="mod">
-          <ac:chgData name="Andrew Turner" userId="9b60647a-c825-4266-aafa-670849c64782" providerId="ADAL" clId="{292526B5-234E-5EAA-AFB8-0412B8CA4453}" dt="2025-10-06T10:33:57.391" v="952" actId="20577"/>
-          <ac:spMkLst>
-            <pc:docMk/>
-            <pc:sldMk cId="2545372616" sldId="260"/>
-            <ac:spMk id="2" creationId="{E665A0F6-AD18-04C9-BC9E-B68E59E23E90}"/>
-          </ac:spMkLst>
-        </pc:spChg>
-        <pc:spChg chg="mod">
-          <ac:chgData name="Andrew Turner" userId="9b60647a-c825-4266-aafa-670849c64782" providerId="ADAL" clId="{292526B5-234E-5EAA-AFB8-0412B8CA4453}" dt="2025-10-06T10:36:21.697" v="1171" actId="20577"/>
-          <ac:spMkLst>
-            <pc:docMk/>
-            <pc:sldMk cId="2545372616" sldId="260"/>
-            <ac:spMk id="3" creationId="{C1527823-A9BD-2785-6A61-B8C9CBD5C9F6}"/>
-          </ac:spMkLst>
-        </pc:spChg>
-      </pc:sldChg>
-      <pc:sldChg chg="modSp new mod">
-        <pc:chgData name="Andrew Turner" userId="9b60647a-c825-4266-aafa-670849c64782" providerId="ADAL" clId="{292526B5-234E-5EAA-AFB8-0412B8CA4453}" dt="2025-10-06T11:04:37.517" v="1805" actId="20577"/>
-        <pc:sldMkLst>
-          <pc:docMk/>
-          <pc:sldMk cId="3054602111" sldId="261"/>
-        </pc:sldMkLst>
-        <pc:spChg chg="mod">
-          <ac:chgData name="Andrew Turner" userId="9b60647a-c825-4266-aafa-670849c64782" providerId="ADAL" clId="{292526B5-234E-5EAA-AFB8-0412B8CA4453}" dt="2025-10-06T10:36:33.366" v="1204" actId="20577"/>
-          <ac:spMkLst>
-            <pc:docMk/>
-            <pc:sldMk cId="3054602111" sldId="261"/>
-            <ac:spMk id="2" creationId="{4450BD7D-C875-A5AE-7976-0C7AFC462BB1}"/>
-          </ac:spMkLst>
-        </pc:spChg>
-        <pc:spChg chg="mod">
-          <ac:chgData name="Andrew Turner" userId="9b60647a-c825-4266-aafa-670849c64782" providerId="ADAL" clId="{292526B5-234E-5EAA-AFB8-0412B8CA4453}" dt="2025-10-06T11:04:37.517" v="1805" actId="20577"/>
-          <ac:spMkLst>
-            <pc:docMk/>
-            <pc:sldMk cId="3054602111" sldId="261"/>
-            <ac:spMk id="3" creationId="{94115CBE-BF80-C49D-6DDF-A05BA4284DCC}"/>
-          </ac:spMkLst>
-        </pc:spChg>
-      </pc:sldChg>
-      <pc:sldChg chg="modSp new mod">
-        <pc:chgData name="Andrew Turner" userId="9b60647a-c825-4266-aafa-670849c64782" providerId="ADAL" clId="{292526B5-234E-5EAA-AFB8-0412B8CA4453}" dt="2025-10-06T11:08:02.039" v="1849" actId="207"/>
+        <pc:chgData name="Andrew Turner" userId="9b60647a-c825-4266-aafa-670849c64782" providerId="ADAL" clId="{292526B5-234E-5EAA-AFB8-0412B8CA4453}" dt="2026-02-03T10:41:48.384" v="2686" actId="20577"/>
         <pc:sldMkLst>
           <pc:docMk/>
           <pc:sldMk cId="604027087" sldId="262"/>
         </pc:sldMkLst>
         <pc:spChg chg="mod">
-          <ac:chgData name="Andrew Turner" userId="9b60647a-c825-4266-aafa-670849c64782" providerId="ADAL" clId="{292526B5-234E-5EAA-AFB8-0412B8CA4453}" dt="2025-10-06T11:08:02.039" v="1849" actId="207"/>
-          <ac:spMkLst>
-            <pc:docMk/>
-            <pc:sldMk cId="604027087" sldId="262"/>
-            <ac:spMk id="2" creationId="{38B8F993-C5C0-E086-3A81-C425AE75857D}"/>
-          </ac:spMkLst>
-        </pc:spChg>
-        <pc:spChg chg="mod">
-          <ac:chgData name="Andrew Turner" userId="9b60647a-c825-4266-aafa-670849c64782" providerId="ADAL" clId="{292526B5-234E-5EAA-AFB8-0412B8CA4453}" dt="2025-10-06T11:07:52.254" v="1848" actId="58"/>
+          <ac:chgData name="Andrew Turner" userId="9b60647a-c825-4266-aafa-670849c64782" providerId="ADAL" clId="{292526B5-234E-5EAA-AFB8-0412B8CA4453}" dt="2026-02-03T10:41:48.384" v="2686" actId="20577"/>
           <ac:spMkLst>
             <pc:docMk/>
             <pc:sldMk cId="604027087" sldId="262"/>
@@ -307,22 +145,14 @@
           </ac:spMkLst>
         </pc:spChg>
       </pc:sldChg>
-      <pc:sldChg chg="modSp new mod">
-        <pc:chgData name="Andrew Turner" userId="9b60647a-c825-4266-aafa-670849c64782" providerId="ADAL" clId="{292526B5-234E-5EAA-AFB8-0412B8CA4453}" dt="2025-10-06T11:10:17.871" v="1915" actId="207"/>
+      <pc:sldChg chg="modSp mod">
+        <pc:chgData name="Andrew Turner" userId="9b60647a-c825-4266-aafa-670849c64782" providerId="ADAL" clId="{292526B5-234E-5EAA-AFB8-0412B8CA4453}" dt="2026-02-03T10:42:35.718" v="2704" actId="20577"/>
         <pc:sldMkLst>
           <pc:docMk/>
           <pc:sldMk cId="3904225902" sldId="263"/>
         </pc:sldMkLst>
         <pc:spChg chg="mod">
-          <ac:chgData name="Andrew Turner" userId="9b60647a-c825-4266-aafa-670849c64782" providerId="ADAL" clId="{292526B5-234E-5EAA-AFB8-0412B8CA4453}" dt="2025-10-06T11:10:17.871" v="1915" actId="207"/>
-          <ac:spMkLst>
-            <pc:docMk/>
-            <pc:sldMk cId="3904225902" sldId="263"/>
-            <ac:spMk id="2" creationId="{C9986D0E-F557-A5E9-037A-5D9AFD7B108D}"/>
-          </ac:spMkLst>
-        </pc:spChg>
-        <pc:spChg chg="mod">
-          <ac:chgData name="Andrew Turner" userId="9b60647a-c825-4266-aafa-670849c64782" providerId="ADAL" clId="{292526B5-234E-5EAA-AFB8-0412B8CA4453}" dt="2025-10-06T11:10:04.860" v="1914" actId="255"/>
+          <ac:chgData name="Andrew Turner" userId="9b60647a-c825-4266-aafa-670849c64782" providerId="ADAL" clId="{292526B5-234E-5EAA-AFB8-0412B8CA4453}" dt="2026-02-03T10:42:35.718" v="2704" actId="20577"/>
           <ac:spMkLst>
             <pc:docMk/>
             <pc:sldMk cId="3904225902" sldId="263"/>
@@ -330,170 +160,6 @@
           </ac:spMkLst>
         </pc:spChg>
       </pc:sldChg>
-      <pc:sldChg chg="modSp new mod">
-        <pc:chgData name="Andrew Turner" userId="9b60647a-c825-4266-aafa-670849c64782" providerId="ADAL" clId="{292526B5-234E-5EAA-AFB8-0412B8CA4453}" dt="2025-10-06T11:16:04.238" v="2665" actId="20577"/>
-        <pc:sldMkLst>
-          <pc:docMk/>
-          <pc:sldMk cId="1727824259" sldId="264"/>
-        </pc:sldMkLst>
-        <pc:spChg chg="mod">
-          <ac:chgData name="Andrew Turner" userId="9b60647a-c825-4266-aafa-670849c64782" providerId="ADAL" clId="{292526B5-234E-5EAA-AFB8-0412B8CA4453}" dt="2025-10-06T11:11:05.220" v="1949" actId="20577"/>
-          <ac:spMkLst>
-            <pc:docMk/>
-            <pc:sldMk cId="1727824259" sldId="264"/>
-            <ac:spMk id="2" creationId="{A353CAB6-8ABE-AB43-4AAF-BA6B2BB5F8DF}"/>
-          </ac:spMkLst>
-        </pc:spChg>
-        <pc:spChg chg="mod">
-          <ac:chgData name="Andrew Turner" userId="9b60647a-c825-4266-aafa-670849c64782" providerId="ADAL" clId="{292526B5-234E-5EAA-AFB8-0412B8CA4453}" dt="2025-10-06T11:16:04.238" v="2665" actId="20577"/>
-          <ac:spMkLst>
-            <pc:docMk/>
-            <pc:sldMk cId="1727824259" sldId="264"/>
-            <ac:spMk id="3" creationId="{071C39F9-C3EB-A58A-7D7E-C1F64CF44D4D}"/>
-          </ac:spMkLst>
-        </pc:spChg>
-      </pc:sldChg>
-      <pc:sldChg chg="modSp new mod">
-        <pc:chgData name="Andrew Turner" userId="9b60647a-c825-4266-aafa-670849c64782" providerId="ADAL" clId="{292526B5-234E-5EAA-AFB8-0412B8CA4453}" dt="2025-10-06T11:15:04.966" v="2427" actId="20577"/>
-        <pc:sldMkLst>
-          <pc:docMk/>
-          <pc:sldMk cId="2960078760" sldId="265"/>
-        </pc:sldMkLst>
-        <pc:spChg chg="mod">
-          <ac:chgData name="Andrew Turner" userId="9b60647a-c825-4266-aafa-670849c64782" providerId="ADAL" clId="{292526B5-234E-5EAA-AFB8-0412B8CA4453}" dt="2025-10-06T11:12:19.009" v="2052" actId="20577"/>
-          <ac:spMkLst>
-            <pc:docMk/>
-            <pc:sldMk cId="2960078760" sldId="265"/>
-            <ac:spMk id="2" creationId="{A6DD845E-10D5-974C-BF5A-71CCE88CD902}"/>
-          </ac:spMkLst>
-        </pc:spChg>
-        <pc:spChg chg="mod">
-          <ac:chgData name="Andrew Turner" userId="9b60647a-c825-4266-aafa-670849c64782" providerId="ADAL" clId="{292526B5-234E-5EAA-AFB8-0412B8CA4453}" dt="2025-10-06T11:15:04.966" v="2427" actId="20577"/>
-          <ac:spMkLst>
-            <pc:docMk/>
-            <pc:sldMk cId="2960078760" sldId="265"/>
-            <ac:spMk id="3" creationId="{9F6931F2-B88F-1EE6-40E7-D59748411AE7}"/>
-          </ac:spMkLst>
-        </pc:spChg>
-      </pc:sldChg>
-      <pc:sldChg chg="modSp new del mod">
-        <pc:chgData name="Andrew Turner" userId="9b60647a-c825-4266-aafa-670849c64782" providerId="ADAL" clId="{292526B5-234E-5EAA-AFB8-0412B8CA4453}" dt="2025-10-06T11:12:06.641" v="2026" actId="2696"/>
-        <pc:sldMkLst>
-          <pc:docMk/>
-          <pc:sldMk cId="3898817849" sldId="265"/>
-        </pc:sldMkLst>
-        <pc:spChg chg="mod">
-          <ac:chgData name="Andrew Turner" userId="9b60647a-c825-4266-aafa-670849c64782" providerId="ADAL" clId="{292526B5-234E-5EAA-AFB8-0412B8CA4453}" dt="2025-10-06T11:11:48.498" v="2018" actId="20577"/>
-          <ac:spMkLst>
-            <pc:docMk/>
-            <pc:sldMk cId="3898817849" sldId="265"/>
-            <ac:spMk id="2" creationId="{4DD58F6B-0284-4294-FAA7-B0F9141758CB}"/>
-          </ac:spMkLst>
-        </pc:spChg>
-        <pc:spChg chg="mod">
-          <ac:chgData name="Andrew Turner" userId="9b60647a-c825-4266-aafa-670849c64782" providerId="ADAL" clId="{292526B5-234E-5EAA-AFB8-0412B8CA4453}" dt="2025-10-06T11:12:03.933" v="2025" actId="5793"/>
-          <ac:spMkLst>
-            <pc:docMk/>
-            <pc:sldMk cId="3898817849" sldId="265"/>
-            <ac:spMk id="3" creationId="{F3633DBE-05FE-6CEA-E306-9CFB7053266C}"/>
-          </ac:spMkLst>
-        </pc:spChg>
-      </pc:sldChg>
-      <pc:sldMasterChg chg="setBg modSldLayout">
-        <pc:chgData name="Andrew Turner" userId="9b60647a-c825-4266-aafa-670849c64782" providerId="ADAL" clId="{292526B5-234E-5EAA-AFB8-0412B8CA4453}" dt="2025-10-07T13:56:32.822" v="2673"/>
-        <pc:sldMasterMkLst>
-          <pc:docMk/>
-          <pc:sldMasterMk cId="1315869588" sldId="2147483648"/>
-        </pc:sldMasterMkLst>
-        <pc:sldLayoutChg chg="setBg">
-          <pc:chgData name="Andrew Turner" userId="9b60647a-c825-4266-aafa-670849c64782" providerId="ADAL" clId="{292526B5-234E-5EAA-AFB8-0412B8CA4453}" dt="2025-10-07T13:56:32.822" v="2673"/>
-          <pc:sldLayoutMkLst>
-            <pc:docMk/>
-            <pc:sldMasterMk cId="1315869588" sldId="2147483648"/>
-            <pc:sldLayoutMk cId="3163122978" sldId="2147483649"/>
-          </pc:sldLayoutMkLst>
-        </pc:sldLayoutChg>
-        <pc:sldLayoutChg chg="setBg">
-          <pc:chgData name="Andrew Turner" userId="9b60647a-c825-4266-aafa-670849c64782" providerId="ADAL" clId="{292526B5-234E-5EAA-AFB8-0412B8CA4453}" dt="2025-10-07T13:56:32.822" v="2673"/>
-          <pc:sldLayoutMkLst>
-            <pc:docMk/>
-            <pc:sldMasterMk cId="1315869588" sldId="2147483648"/>
-            <pc:sldLayoutMk cId="821523264" sldId="2147483650"/>
-          </pc:sldLayoutMkLst>
-        </pc:sldLayoutChg>
-        <pc:sldLayoutChg chg="setBg">
-          <pc:chgData name="Andrew Turner" userId="9b60647a-c825-4266-aafa-670849c64782" providerId="ADAL" clId="{292526B5-234E-5EAA-AFB8-0412B8CA4453}" dt="2025-10-07T13:56:32.822" v="2673"/>
-          <pc:sldLayoutMkLst>
-            <pc:docMk/>
-            <pc:sldMasterMk cId="1315869588" sldId="2147483648"/>
-            <pc:sldLayoutMk cId="1751652726" sldId="2147483651"/>
-          </pc:sldLayoutMkLst>
-        </pc:sldLayoutChg>
-        <pc:sldLayoutChg chg="setBg">
-          <pc:chgData name="Andrew Turner" userId="9b60647a-c825-4266-aafa-670849c64782" providerId="ADAL" clId="{292526B5-234E-5EAA-AFB8-0412B8CA4453}" dt="2025-10-07T13:56:32.822" v="2673"/>
-          <pc:sldLayoutMkLst>
-            <pc:docMk/>
-            <pc:sldMasterMk cId="1315869588" sldId="2147483648"/>
-            <pc:sldLayoutMk cId="467528816" sldId="2147483652"/>
-          </pc:sldLayoutMkLst>
-        </pc:sldLayoutChg>
-        <pc:sldLayoutChg chg="setBg">
-          <pc:chgData name="Andrew Turner" userId="9b60647a-c825-4266-aafa-670849c64782" providerId="ADAL" clId="{292526B5-234E-5EAA-AFB8-0412B8CA4453}" dt="2025-10-07T13:56:32.822" v="2673"/>
-          <pc:sldLayoutMkLst>
-            <pc:docMk/>
-            <pc:sldMasterMk cId="1315869588" sldId="2147483648"/>
-            <pc:sldLayoutMk cId="1184858919" sldId="2147483653"/>
-          </pc:sldLayoutMkLst>
-        </pc:sldLayoutChg>
-        <pc:sldLayoutChg chg="setBg">
-          <pc:chgData name="Andrew Turner" userId="9b60647a-c825-4266-aafa-670849c64782" providerId="ADAL" clId="{292526B5-234E-5EAA-AFB8-0412B8CA4453}" dt="2025-10-07T13:56:32.822" v="2673"/>
-          <pc:sldLayoutMkLst>
-            <pc:docMk/>
-            <pc:sldMasterMk cId="1315869588" sldId="2147483648"/>
-            <pc:sldLayoutMk cId="758437059" sldId="2147483654"/>
-          </pc:sldLayoutMkLst>
-        </pc:sldLayoutChg>
-        <pc:sldLayoutChg chg="setBg">
-          <pc:chgData name="Andrew Turner" userId="9b60647a-c825-4266-aafa-670849c64782" providerId="ADAL" clId="{292526B5-234E-5EAA-AFB8-0412B8CA4453}" dt="2025-10-07T13:56:32.822" v="2673"/>
-          <pc:sldLayoutMkLst>
-            <pc:docMk/>
-            <pc:sldMasterMk cId="1315869588" sldId="2147483648"/>
-            <pc:sldLayoutMk cId="2412671709" sldId="2147483655"/>
-          </pc:sldLayoutMkLst>
-        </pc:sldLayoutChg>
-        <pc:sldLayoutChg chg="setBg">
-          <pc:chgData name="Andrew Turner" userId="9b60647a-c825-4266-aafa-670849c64782" providerId="ADAL" clId="{292526B5-234E-5EAA-AFB8-0412B8CA4453}" dt="2025-10-07T13:56:32.822" v="2673"/>
-          <pc:sldLayoutMkLst>
-            <pc:docMk/>
-            <pc:sldMasterMk cId="1315869588" sldId="2147483648"/>
-            <pc:sldLayoutMk cId="103503305" sldId="2147483656"/>
-          </pc:sldLayoutMkLst>
-        </pc:sldLayoutChg>
-        <pc:sldLayoutChg chg="setBg">
-          <pc:chgData name="Andrew Turner" userId="9b60647a-c825-4266-aafa-670849c64782" providerId="ADAL" clId="{292526B5-234E-5EAA-AFB8-0412B8CA4453}" dt="2025-10-07T13:56:32.822" v="2673"/>
-          <pc:sldLayoutMkLst>
-            <pc:docMk/>
-            <pc:sldMasterMk cId="1315869588" sldId="2147483648"/>
-            <pc:sldLayoutMk cId="3509383602" sldId="2147483657"/>
-          </pc:sldLayoutMkLst>
-        </pc:sldLayoutChg>
-        <pc:sldLayoutChg chg="setBg">
-          <pc:chgData name="Andrew Turner" userId="9b60647a-c825-4266-aafa-670849c64782" providerId="ADAL" clId="{292526B5-234E-5EAA-AFB8-0412B8CA4453}" dt="2025-10-07T13:56:32.822" v="2673"/>
-          <pc:sldLayoutMkLst>
-            <pc:docMk/>
-            <pc:sldMasterMk cId="1315869588" sldId="2147483648"/>
-            <pc:sldLayoutMk cId="1302635843" sldId="2147483658"/>
-          </pc:sldLayoutMkLst>
-        </pc:sldLayoutChg>
-        <pc:sldLayoutChg chg="setBg">
-          <pc:chgData name="Andrew Turner" userId="9b60647a-c825-4266-aafa-670849c64782" providerId="ADAL" clId="{292526B5-234E-5EAA-AFB8-0412B8CA4453}" dt="2025-10-07T13:56:32.822" v="2673"/>
-          <pc:sldLayoutMkLst>
-            <pc:docMk/>
-            <pc:sldMasterMk cId="1315869588" sldId="2147483648"/>
-            <pc:sldLayoutMk cId="2665779227" sldId="2147483659"/>
-          </pc:sldLayoutMkLst>
-        </pc:sldLayoutChg>
-      </pc:sldMasterChg>
     </pc:docChg>
   </pc:docChgLst>
 </pc:chgInfo>
@@ -646,7 +312,7 @@
           <a:p>
             <a:fld id="{305D841F-A440-6145-A19B-398627BB24A4}" type="datetimeFigureOut">
               <a:rPr lang="en-GB" smtClean="0"/>
-              <a:t>07/10/2025</a:t>
+              <a:t>03/02/2026</a:t>
             </a:fld>
             <a:endParaRPr lang="en-GB"/>
           </a:p>
@@ -844,7 +510,7 @@
           <a:p>
             <a:fld id="{305D841F-A440-6145-A19B-398627BB24A4}" type="datetimeFigureOut">
               <a:rPr lang="en-GB" smtClean="0"/>
-              <a:t>07/10/2025</a:t>
+              <a:t>03/02/2026</a:t>
             </a:fld>
             <a:endParaRPr lang="en-GB"/>
           </a:p>
@@ -1052,7 +718,7 @@
           <a:p>
             <a:fld id="{305D841F-A440-6145-A19B-398627BB24A4}" type="datetimeFigureOut">
               <a:rPr lang="en-GB" smtClean="0"/>
-              <a:t>07/10/2025</a:t>
+              <a:t>03/02/2026</a:t>
             </a:fld>
             <a:endParaRPr lang="en-GB"/>
           </a:p>
@@ -1250,7 +916,7 @@
           <a:p>
             <a:fld id="{305D841F-A440-6145-A19B-398627BB24A4}" type="datetimeFigureOut">
               <a:rPr lang="en-GB" smtClean="0"/>
-              <a:t>07/10/2025</a:t>
+              <a:t>03/02/2026</a:t>
             </a:fld>
             <a:endParaRPr lang="en-GB"/>
           </a:p>
@@ -1525,7 +1191,7 @@
           <a:p>
             <a:fld id="{305D841F-A440-6145-A19B-398627BB24A4}" type="datetimeFigureOut">
               <a:rPr lang="en-GB" smtClean="0"/>
-              <a:t>07/10/2025</a:t>
+              <a:t>03/02/2026</a:t>
             </a:fld>
             <a:endParaRPr lang="en-GB"/>
           </a:p>
@@ -1790,7 +1456,7 @@
           <a:p>
             <a:fld id="{305D841F-A440-6145-A19B-398627BB24A4}" type="datetimeFigureOut">
               <a:rPr lang="en-GB" smtClean="0"/>
-              <a:t>07/10/2025</a:t>
+              <a:t>03/02/2026</a:t>
             </a:fld>
             <a:endParaRPr lang="en-GB"/>
           </a:p>
@@ -2202,7 +1868,7 @@
           <a:p>
             <a:fld id="{305D841F-A440-6145-A19B-398627BB24A4}" type="datetimeFigureOut">
               <a:rPr lang="en-GB" smtClean="0"/>
-              <a:t>07/10/2025</a:t>
+              <a:t>03/02/2026</a:t>
             </a:fld>
             <a:endParaRPr lang="en-GB"/>
           </a:p>
@@ -2343,7 +2009,7 @@
           <a:p>
             <a:fld id="{305D841F-A440-6145-A19B-398627BB24A4}" type="datetimeFigureOut">
               <a:rPr lang="en-GB" smtClean="0"/>
-              <a:t>07/10/2025</a:t>
+              <a:t>03/02/2026</a:t>
             </a:fld>
             <a:endParaRPr lang="en-GB"/>
           </a:p>
@@ -2456,7 +2122,7 @@
           <a:p>
             <a:fld id="{305D841F-A440-6145-A19B-398627BB24A4}" type="datetimeFigureOut">
               <a:rPr lang="en-GB" smtClean="0"/>
-              <a:t>07/10/2025</a:t>
+              <a:t>03/02/2026</a:t>
             </a:fld>
             <a:endParaRPr lang="en-GB"/>
           </a:p>
@@ -2767,7 +2433,7 @@
           <a:p>
             <a:fld id="{305D841F-A440-6145-A19B-398627BB24A4}" type="datetimeFigureOut">
               <a:rPr lang="en-GB" smtClean="0"/>
-              <a:t>07/10/2025</a:t>
+              <a:t>03/02/2026</a:t>
             </a:fld>
             <a:endParaRPr lang="en-GB"/>
           </a:p>
@@ -3055,7 +2721,7 @@
           <a:p>
             <a:fld id="{305D841F-A440-6145-A19B-398627BB24A4}" type="datetimeFigureOut">
               <a:rPr lang="en-GB" smtClean="0"/>
-              <a:t>07/10/2025</a:t>
+              <a:t>03/02/2026</a:t>
             </a:fld>
             <a:endParaRPr lang="en-GB"/>
           </a:p>
@@ -3299,7 +2965,7 @@
           <a:p>
             <a:fld id="{305D841F-A440-6145-A19B-398627BB24A4}" type="datetimeFigureOut">
               <a:rPr lang="en-GB" smtClean="0"/>
-              <a:t>07/10/2025</a:t>
+              <a:t>03/02/2026</a:t>
             </a:fld>
             <a:endParaRPr lang="en-GB"/>
           </a:p>
@@ -4994,7 +4660,7 @@
             </a:pPr>
             <a:r>
               <a:rPr lang="en-GB" dirty="0"/>
-              <a:t>In the previous exercise we computed the total HPC system emissions for 3 months of project use to be 14,184 kgCO</a:t>
+              <a:t>In the previous exercise we computed the total HPC system emissions for 3 months of project use to be 141,695 kgCO</a:t>
             </a:r>
             <a:r>
               <a:rPr lang="en-GB" baseline="-25000" dirty="0"/>
@@ -5165,7 +4831,7 @@
             </a:br>
             <a:r>
               <a:rPr lang="en-GB" sz="2400" dirty="0"/>
-              <a:t>14,184 kgCO</a:t>
+              <a:t>141,695 kgCO</a:t>
             </a:r>
             <a:r>
               <a:rPr lang="en-GB" sz="2400" baseline="-25000" dirty="0"/>
@@ -5173,7 +4839,7 @@
             </a:r>
             <a:r>
               <a:rPr lang="en-GB" sz="2400" dirty="0"/>
-              <a:t>e / 3,680 simulated years = 3.85 kgCO</a:t>
+              <a:t>e / 3,680 simulated years = 38.5 kgCO</a:t>
             </a:r>
             <a:r>
               <a:rPr lang="en-GB" sz="2400" baseline="-25000" dirty="0"/>
@@ -5205,7 +4871,7 @@
             </a:br>
             <a:r>
               <a:rPr lang="en-GB" sz="2400" dirty="0"/>
-              <a:t>14,184 kgCO</a:t>
+              <a:t>141,695 kgCO</a:t>
             </a:r>
             <a:r>
               <a:rPr lang="en-GB" sz="2400" baseline="-25000" dirty="0"/>
@@ -5221,7 +4887,15 @@
             </a:r>
             <a:r>
               <a:rPr lang="en-GB" sz="2400" dirty="0"/>
-              <a:t> = 12.89 kgCO</a:t>
+              <a:t> </a:t>
+            </a:r>
+            <a:r>
+              <a:rPr lang="en-GB" sz="2400"/>
+              <a:t>= 128.8 </a:t>
+            </a:r>
+            <a:r>
+              <a:rPr lang="en-GB" sz="2400" dirty="0"/>
+              <a:t>kgCO</a:t>
             </a:r>
             <a:r>
               <a:rPr lang="en-GB" sz="2400" baseline="-25000" dirty="0"/>
